--- a/YuQingtian.pptx
+++ b/YuQingtian.pptx
@@ -5,12 +5,11 @@
     <p:sldMasterId id="2147483660" r:id="rId1"/>
   </p:sldMasterIdLst>
   <p:sldIdLst>
-    <p:sldId id="256" r:id="rId2"/>
-    <p:sldId id="257" r:id="rId3"/>
-    <p:sldId id="258" r:id="rId4"/>
-    <p:sldId id="259" r:id="rId5"/>
-    <p:sldId id="260" r:id="rId6"/>
-    <p:sldId id="261" r:id="rId7"/>
+    <p:sldId id="257" r:id="rId2"/>
+    <p:sldId id="258" r:id="rId3"/>
+    <p:sldId id="259" r:id="rId4"/>
+    <p:sldId id="260" r:id="rId5"/>
+    <p:sldId id="261" r:id="rId6"/>
   </p:sldIdLst>
   <p:sldSz cx="9144000" cy="6858000" type="screen4x3"/>
   <p:notesSz cx="6858000" cy="9144000"/>
@@ -109,6 +108,22 @@
       </a:defRPr>
     </a:lvl9pPr>
   </p:defaultTextStyle>
+  <p:extLst>
+    <p:ext uri="{EFAFB233-063F-42B5-8137-9DF3F51BA10A}">
+      <p15:sldGuideLst xmlns:p15="http://schemas.microsoft.com/office/powerpoint/2012/main">
+        <p15:guide id="1" orient="horz" pos="2160">
+          <p15:clr>
+            <a:srgbClr val="A4A3A4"/>
+          </p15:clr>
+        </p15:guide>
+        <p15:guide id="2" pos="2880">
+          <p15:clr>
+            <a:srgbClr val="A4A3A4"/>
+          </p15:clr>
+        </p15:guide>
+      </p15:sldGuideLst>
+    </p:ext>
+  </p:extLst>
 </p:presentation>
 </file>
 
@@ -738,7 +753,7 @@
             <a:fld id="{1D8BD707-D9CF-40AE-B4C6-C98DA3205C09}" type="datetimeFigureOut">
               <a:rPr lang="en-US" smtClean="0"/>
               <a:pPr/>
-              <a:t>11/23/2016</a:t>
+              <a:t>11/23/16</a:t>
             </a:fld>
             <a:endParaRPr lang="en-US"/>
           </a:p>
@@ -936,7 +951,7 @@
             <a:fld id="{1D8BD707-D9CF-40AE-B4C6-C98DA3205C09}" type="datetimeFigureOut">
               <a:rPr lang="en-US" smtClean="0"/>
               <a:pPr/>
-              <a:t>11/23/2016</a:t>
+              <a:t>11/23/16</a:t>
             </a:fld>
             <a:endParaRPr lang="en-US"/>
           </a:p>
@@ -1123,7 +1138,7 @@
             <a:fld id="{1D8BD707-D9CF-40AE-B4C6-C98DA3205C09}" type="datetimeFigureOut">
               <a:rPr lang="en-US" smtClean="0"/>
               <a:pPr/>
-              <a:t>11/23/2016</a:t>
+              <a:t>11/23/16</a:t>
             </a:fld>
             <a:endParaRPr lang="en-US"/>
           </a:p>
@@ -1275,7 +1290,7 @@
             <a:fld id="{1D8BD707-D9CF-40AE-B4C6-C98DA3205C09}" type="datetimeFigureOut">
               <a:rPr lang="en-US" smtClean="0"/>
               <a:pPr/>
-              <a:t>11/23/2016</a:t>
+              <a:t>11/23/16</a:t>
             </a:fld>
             <a:endParaRPr lang="en-US"/>
           </a:p>
@@ -1532,7 +1547,7 @@
             <a:fld id="{1D8BD707-D9CF-40AE-B4C6-C98DA3205C09}" type="datetimeFigureOut">
               <a:rPr lang="en-US" smtClean="0"/>
               <a:pPr/>
-              <a:t>11/23/2016</a:t>
+              <a:t>11/23/16</a:t>
             </a:fld>
             <a:endParaRPr lang="en-US"/>
           </a:p>
@@ -1943,7 +1958,7 @@
             <a:fld id="{1D8BD707-D9CF-40AE-B4C6-C98DA3205C09}" type="datetimeFigureOut">
               <a:rPr lang="en-US" smtClean="0"/>
               <a:pPr/>
-              <a:t>11/23/2016</a:t>
+              <a:t>11/23/16</a:t>
             </a:fld>
             <a:endParaRPr lang="en-US"/>
           </a:p>
@@ -2391,7 +2406,7 @@
             <a:fld id="{1D8BD707-D9CF-40AE-B4C6-C98DA3205C09}" type="datetimeFigureOut">
               <a:rPr lang="en-US" smtClean="0"/>
               <a:pPr/>
-              <a:t>11/23/2016</a:t>
+              <a:t>11/23/16</a:t>
             </a:fld>
             <a:endParaRPr lang="en-US"/>
           </a:p>
@@ -2494,7 +2509,7 @@
             <a:fld id="{1D8BD707-D9CF-40AE-B4C6-C98DA3205C09}" type="datetimeFigureOut">
               <a:rPr lang="en-US" smtClean="0"/>
               <a:pPr/>
-              <a:t>11/23/2016</a:t>
+              <a:t>11/23/16</a:t>
             </a:fld>
             <a:endParaRPr lang="en-US"/>
           </a:p>
@@ -2617,7 +2632,7 @@
             <a:fld id="{1D8BD707-D9CF-40AE-B4C6-C98DA3205C09}" type="datetimeFigureOut">
               <a:rPr lang="en-US" smtClean="0"/>
               <a:pPr/>
-              <a:t>11/23/2016</a:t>
+              <a:t>11/23/16</a:t>
             </a:fld>
             <a:endParaRPr lang="en-US"/>
           </a:p>
@@ -2893,7 +2908,7 @@
             <a:fld id="{1D8BD707-D9CF-40AE-B4C6-C98DA3205C09}" type="datetimeFigureOut">
               <a:rPr lang="en-US" smtClean="0"/>
               <a:pPr/>
-              <a:t>11/23/2016</a:t>
+              <a:t>11/23/16</a:t>
             </a:fld>
             <a:endParaRPr lang="en-US"/>
           </a:p>
@@ -3100,7 +3115,7 @@
             <a:fld id="{1D8BD707-D9CF-40AE-B4C6-C98DA3205C09}" type="datetimeFigureOut">
               <a:rPr lang="en-US" smtClean="0"/>
               <a:pPr/>
-              <a:t>11/23/2016</a:t>
+              <a:t>11/23/16</a:t>
             </a:fld>
             <a:endParaRPr lang="en-US"/>
           </a:p>
@@ -4211,7 +4226,7 @@
             <a:fld id="{1D8BD707-D9CF-40AE-B4C6-C98DA3205C09}" type="datetimeFigureOut">
               <a:rPr lang="en-US" smtClean="0"/>
               <a:pPr/>
-              <a:t>11/23/2016</a:t>
+              <a:t>11/23/16</a:t>
             </a:fld>
             <a:endParaRPr lang="en-US"/>
           </a:p>
@@ -4619,41 +4634,88 @@
           <a:chExt cx="0" cy="0"/>
         </a:xfrm>
       </p:grpSpPr>
-      <p:sp>
-        <p:nvSpPr>
-          <p:cNvPr id="2" name="Title 1"/>
-          <p:cNvSpPr>
-            <a:spLocks noGrp="1"/>
-          </p:cNvSpPr>
-          <p:nvPr>
-            <p:ph type="ctrTitle"/>
-          </p:nvPr>
-        </p:nvSpPr>
-        <p:spPr/>
+      <p:pic>
+        <p:nvPicPr>
+          <p:cNvPr id="4" name="Content Placeholder 3" descr="屏幕快照 2016-11-17 下午11.10.25.png"/>
+          <p:cNvPicPr>
+            <a:picLocks noGrp="1"/>
+          </p:cNvPicPr>
+          <p:nvPr>
+            <p:ph sz="half" idx="4294967295"/>
+          </p:nvPr>
+        </p:nvPicPr>
+        <p:blipFill>
+          <a:blip r:embed="rId2" cstate="print"/>
+          <a:stretch>
+            <a:fillRect/>
+          </a:stretch>
+        </p:blipFill>
+        <p:spPr>
+          <a:xfrm>
+            <a:off x="2133600" y="2590800"/>
+            <a:ext cx="4876800" cy="3352800"/>
+          </a:xfrm>
+          <a:prstGeom prst="rect">
+            <a:avLst/>
+          </a:prstGeom>
+        </p:spPr>
+      </p:pic>
+      <p:sp>
+        <p:nvSpPr>
+          <p:cNvPr id="3" name="Title 2"/>
+          <p:cNvSpPr>
+            <a:spLocks noGrp="1"/>
+          </p:cNvSpPr>
+          <p:nvPr>
+            <p:ph type="title" idx="4294967295"/>
+          </p:nvPr>
+        </p:nvSpPr>
+        <p:spPr>
+          <a:xfrm>
+            <a:off x="381000" y="304800"/>
+            <a:ext cx="8229600" cy="1143000"/>
+          </a:xfrm>
+        </p:spPr>
         <p:txBody>
           <a:bodyPr/>
           <a:lstStyle/>
           <a:p>
-            <a:endParaRPr lang="en-US"/>
-          </a:p>
-        </p:txBody>
-      </p:sp>
-      <p:sp>
-        <p:nvSpPr>
-          <p:cNvPr id="3" name="Subtitle 2"/>
-          <p:cNvSpPr>
-            <a:spLocks noGrp="1"/>
-          </p:cNvSpPr>
-          <p:nvPr>
-            <p:ph type="subTitle" idx="1"/>
-          </p:nvPr>
-        </p:nvSpPr>
-        <p:spPr/>
-        <p:txBody>
-          <a:bodyPr/>
+            <a:pPr algn="ctr"/>
+            <a:r>
+              <a:rPr lang="en-US" dirty="0" smtClean="0"/>
+              <a:t>Development of Industry</a:t>
+            </a:r>
+            <a:endParaRPr lang="en-US" dirty="0"/>
+          </a:p>
+        </p:txBody>
+      </p:sp>
+      <p:sp>
+        <p:nvSpPr>
+          <p:cNvPr id="7" name="Subtitle 6"/>
+          <p:cNvSpPr>
+            <a:spLocks noGrp="1"/>
+          </p:cNvSpPr>
+          <p:nvPr>
+            <p:ph type="body" orient="vert" idx="4294967295"/>
+          </p:nvPr>
+        </p:nvSpPr>
+        <p:spPr>
+          <a:xfrm>
+            <a:off x="0" y="1481138"/>
+            <a:ext cx="8229600" cy="4386262"/>
+          </a:xfrm>
+        </p:spPr>
+        <p:txBody>
+          <a:bodyPr>
+            <a:normAutofit/>
+          </a:bodyPr>
           <a:lstStyle/>
           <a:p>
-            <a:endParaRPr lang="en-US"/>
+            <a:pPr algn="l"/>
+            <a:r>
+              <a:rPr lang="en-US" dirty="0" smtClean="0"/>
+              <a:t>1.GDP and industrial added valve in China</a:t>
+            </a:r>
           </a:p>
         </p:txBody>
       </p:sp>
@@ -4682,15 +4744,63 @@
           <a:chExt cx="0" cy="0"/>
         </a:xfrm>
       </p:grpSpPr>
+      <p:sp>
+        <p:nvSpPr>
+          <p:cNvPr id="2" name="Content Placeholder 1"/>
+          <p:cNvSpPr>
+            <a:spLocks noGrp="1"/>
+          </p:cNvSpPr>
+          <p:nvPr>
+            <p:ph idx="1"/>
+          </p:nvPr>
+        </p:nvSpPr>
+        <p:spPr>
+          <a:xfrm>
+            <a:off x="0" y="1447800"/>
+            <a:ext cx="8534400" cy="4525963"/>
+          </a:xfrm>
+        </p:spPr>
+        <p:txBody>
+          <a:bodyPr/>
+          <a:lstStyle/>
+          <a:p>
+            <a:r>
+              <a:rPr lang="en-US" dirty="0" smtClean="0"/>
+              <a:t>2.Regional Distribution of Industrial Enterprises</a:t>
+            </a:r>
+            <a:endParaRPr lang="en-US" dirty="0"/>
+          </a:p>
+        </p:txBody>
+      </p:sp>
+      <p:sp>
+        <p:nvSpPr>
+          <p:cNvPr id="3" name="Title 2"/>
+          <p:cNvSpPr>
+            <a:spLocks noGrp="1"/>
+          </p:cNvSpPr>
+          <p:nvPr>
+            <p:ph type="title"/>
+          </p:nvPr>
+        </p:nvSpPr>
+        <p:spPr/>
+        <p:txBody>
+          <a:bodyPr/>
+          <a:lstStyle/>
+          <a:p>
+            <a:pPr algn="ctr"/>
+            <a:r>
+              <a:rPr lang="en-US" dirty="0" smtClean="0"/>
+              <a:t>Development of Industry</a:t>
+            </a:r>
+            <a:endParaRPr lang="en-US" dirty="0"/>
+          </a:p>
+        </p:txBody>
+      </p:sp>
       <p:pic>
         <p:nvPicPr>
-          <p:cNvPr id="4" name="Content Placeholder 3" descr="屏幕快照 2016-11-17 下午11.10.25.png"/>
-          <p:cNvPicPr>
-            <a:picLocks noGrp="1"/>
-          </p:cNvPicPr>
-          <p:nvPr>
-            <p:ph sz="half" idx="4294967295"/>
-          </p:nvPr>
+          <p:cNvPr id="4" name="Picture 3" descr="Untitled.png"/>
+          <p:cNvPicPr/>
+          <p:nvPr/>
         </p:nvPicPr>
         <p:blipFill>
           <a:blip r:embed="rId2" cstate="print"/>
@@ -4700,89 +4810,14 @@
         </p:blipFill>
         <p:spPr>
           <a:xfrm>
-            <a:off x="2133600" y="2590800"/>
-            <a:ext cx="4876800" cy="3352800"/>
+            <a:off x="1981200" y="2438400"/>
+            <a:ext cx="5181600" cy="3048000"/>
           </a:xfrm>
           <a:prstGeom prst="rect">
             <a:avLst/>
           </a:prstGeom>
         </p:spPr>
       </p:pic>
-      <p:sp>
-        <p:nvSpPr>
-          <p:cNvPr id="3" name="Title 2"/>
-          <p:cNvSpPr>
-            <a:spLocks noGrp="1"/>
-          </p:cNvSpPr>
-          <p:nvPr>
-            <p:ph type="title" idx="4294967295"/>
-          </p:nvPr>
-        </p:nvSpPr>
-        <p:spPr>
-          <a:xfrm>
-            <a:off x="381000" y="304800"/>
-            <a:ext cx="8229600" cy="1143000"/>
-          </a:xfrm>
-        </p:spPr>
-        <p:txBody>
-          <a:bodyPr/>
-          <a:lstStyle/>
-          <a:p>
-            <a:pPr algn="ctr"/>
-            <a:r>
-              <a:rPr lang="en-US" dirty="0" smtClean="0"/>
-              <a:t>Development </a:t>
-            </a:r>
-            <a:r>
-              <a:rPr lang="en-US" dirty="0" smtClean="0"/>
-              <a:t>of </a:t>
-            </a:r>
-            <a:r>
-              <a:rPr lang="en-US" dirty="0" smtClean="0"/>
-              <a:t>Industry</a:t>
-            </a:r>
-            <a:endParaRPr lang="en-US" dirty="0"/>
-          </a:p>
-        </p:txBody>
-      </p:sp>
-      <p:sp>
-        <p:nvSpPr>
-          <p:cNvPr id="7" name="Subtitle 6"/>
-          <p:cNvSpPr>
-            <a:spLocks noGrp="1"/>
-          </p:cNvSpPr>
-          <p:nvPr>
-            <p:ph type="body" orient="vert" idx="4294967295"/>
-          </p:nvPr>
-        </p:nvSpPr>
-        <p:spPr>
-          <a:xfrm>
-            <a:off x="0" y="1481138"/>
-            <a:ext cx="8229600" cy="4386262"/>
-          </a:xfrm>
-        </p:spPr>
-        <p:txBody>
-          <a:bodyPr>
-            <a:normAutofit/>
-          </a:bodyPr>
-          <a:lstStyle/>
-          <a:p>
-            <a:pPr algn="l"/>
-            <a:r>
-              <a:rPr lang="en-US" dirty="0" smtClean="0"/>
-              <a:t>1.GDP </a:t>
-            </a:r>
-            <a:r>
-              <a:rPr lang="en-US" dirty="0" smtClean="0"/>
-              <a:t>and industrial added valve </a:t>
-            </a:r>
-            <a:r>
-              <a:rPr lang="en-US" dirty="0" smtClean="0"/>
-              <a:t>in China</a:t>
-            </a:r>
-          </a:p>
-        </p:txBody>
-      </p:sp>
     </p:spTree>
   </p:cSld>
   <p:clrMapOvr>
@@ -4820,8 +4855,8 @@
         </p:nvSpPr>
         <p:spPr>
           <a:xfrm>
-            <a:off x="0" y="1447800"/>
-            <a:ext cx="8534400" cy="4525963"/>
+            <a:off x="0" y="1481328"/>
+            <a:ext cx="8686800" cy="4525963"/>
           </a:xfrm>
         </p:spPr>
         <p:txBody>
@@ -4830,17 +4865,66 @@
           <a:p>
             <a:r>
               <a:rPr lang="en-US" dirty="0" smtClean="0"/>
-              <a:t>2.Regional Distribution </a:t>
-            </a:r>
-            <a:r>
-              <a:rPr lang="en-US" dirty="0" smtClean="0"/>
-              <a:t>of </a:t>
-            </a:r>
-            <a:r>
-              <a:rPr lang="en-US" dirty="0" smtClean="0"/>
-              <a:t>Industrial Enterprises</a:t>
-            </a:r>
-            <a:endParaRPr lang="en-US" dirty="0"/>
+              <a:t>3.Numbers of Above-scale Industrial Enterprises</a:t>
+            </a:r>
+          </a:p>
+          <a:p>
+            <a:pPr>
+              <a:buNone/>
+            </a:pPr>
+            <a:endParaRPr lang="en-US" sz="1800" dirty="0" smtClean="0"/>
+          </a:p>
+          <a:p>
+            <a:pPr>
+              <a:buNone/>
+            </a:pPr>
+            <a:endParaRPr lang="en-US" sz="1800" dirty="0" smtClean="0"/>
+          </a:p>
+          <a:p>
+            <a:pPr>
+              <a:buNone/>
+            </a:pPr>
+            <a:r>
+              <a:rPr lang="en-US" sz="1800" dirty="0" smtClean="0"/>
+              <a:t>	Revenue from main operations</a:t>
+            </a:r>
+          </a:p>
+          <a:p>
+            <a:pPr>
+              <a:buNone/>
+            </a:pPr>
+            <a:r>
+              <a:rPr lang="en-US" sz="1800" dirty="0" smtClean="0"/>
+              <a:t>	2001-2011:</a:t>
+            </a:r>
+          </a:p>
+          <a:p>
+            <a:pPr>
+              <a:buNone/>
+            </a:pPr>
+            <a:r>
+              <a:rPr lang="en-US" sz="1800" dirty="0" smtClean="0"/>
+              <a:t>	Above 5 million Yuan</a:t>
+            </a:r>
+          </a:p>
+          <a:p>
+            <a:pPr>
+              <a:buNone/>
+            </a:pPr>
+            <a:r>
+              <a:rPr lang="en-US" sz="1800" dirty="0" smtClean="0"/>
+              <a:t>	2011-2014:</a:t>
+            </a:r>
+          </a:p>
+          <a:p>
+            <a:pPr>
+              <a:buNone/>
+            </a:pPr>
+            <a:r>
+              <a:rPr lang="en-US" sz="1800" dirty="0" smtClean="0"/>
+              <a:t>	Above 20 million Yuan</a:t>
+            </a:r>
+            <a:endParaRPr lang="en-US" sz="1800" dirty="0"/>
           </a:p>
         </p:txBody>
       </p:sp>
@@ -4870,7 +4954,7 @@
       </p:sp>
       <p:pic>
         <p:nvPicPr>
-          <p:cNvPr id="4" name="Picture 3" descr="Untitled.png"/>
+          <p:cNvPr id="5" name="Picture 4" descr="屏幕快照 2016-11-17 下午11.12.03.png"/>
           <p:cNvPicPr/>
           <p:nvPr/>
         </p:nvPicPr>
@@ -4882,8 +4966,8 @@
         </p:blipFill>
         <p:spPr>
           <a:xfrm>
-            <a:off x="1981200" y="2438400"/>
-            <a:ext cx="5181600" cy="3048000"/>
+            <a:off x="3962400" y="2590800"/>
+            <a:ext cx="4953000" cy="3429000"/>
           </a:xfrm>
           <a:prstGeom prst="rect">
             <a:avLst/>
@@ -4937,98 +5021,9 @@
           <a:p>
             <a:r>
               <a:rPr lang="en-US" dirty="0" smtClean="0"/>
-              <a:t>3.Numbers </a:t>
-            </a:r>
-            <a:r>
-              <a:rPr lang="en-US" dirty="0" smtClean="0"/>
-              <a:t>of </a:t>
-            </a:r>
-            <a:r>
-              <a:rPr lang="en-US" dirty="0" smtClean="0"/>
-              <a:t>Above-scale Industrial Enterprises</a:t>
-            </a:r>
-          </a:p>
-          <a:p>
-            <a:pPr>
-              <a:buNone/>
-            </a:pPr>
-            <a:endParaRPr lang="en-US" sz="1800" dirty="0" smtClean="0"/>
-          </a:p>
-          <a:p>
-            <a:pPr>
-              <a:buNone/>
-            </a:pPr>
-            <a:endParaRPr lang="en-US" sz="1800" dirty="0" smtClean="0"/>
-          </a:p>
-          <a:p>
-            <a:pPr>
-              <a:buNone/>
-            </a:pPr>
-            <a:r>
-              <a:rPr lang="en-US" sz="1800" dirty="0" smtClean="0"/>
-              <a:t>	Revenue </a:t>
-            </a:r>
-            <a:r>
-              <a:rPr lang="en-US" sz="1800" dirty="0" smtClean="0"/>
-              <a:t>from main </a:t>
-            </a:r>
-            <a:r>
-              <a:rPr lang="en-US" sz="1800" dirty="0" smtClean="0"/>
-              <a:t>operations</a:t>
-            </a:r>
-          </a:p>
-          <a:p>
-            <a:pPr>
-              <a:buNone/>
-            </a:pPr>
-            <a:r>
-              <a:rPr lang="en-US" sz="1800" dirty="0" smtClean="0"/>
-              <a:t>	2001-2011:</a:t>
-            </a:r>
-          </a:p>
-          <a:p>
-            <a:pPr>
-              <a:buNone/>
-            </a:pPr>
-            <a:r>
-              <a:rPr lang="en-US" sz="1800" dirty="0" smtClean="0"/>
-              <a:t>	Above 5 </a:t>
-            </a:r>
-            <a:r>
-              <a:rPr lang="en-US" sz="1800" dirty="0" smtClean="0"/>
-              <a:t>million </a:t>
-            </a:r>
-            <a:r>
-              <a:rPr lang="en-US" sz="1800" dirty="0" smtClean="0"/>
-              <a:t>Yuan</a:t>
-            </a:r>
-          </a:p>
-          <a:p>
-            <a:pPr>
-              <a:buNone/>
-            </a:pPr>
-            <a:r>
-              <a:rPr lang="en-US" sz="1800" dirty="0" smtClean="0"/>
-              <a:t>	2011-2014:</a:t>
-            </a:r>
-          </a:p>
-          <a:p>
-            <a:pPr>
-              <a:buNone/>
-            </a:pPr>
-            <a:r>
-              <a:rPr lang="en-US" sz="1800" dirty="0" smtClean="0"/>
-              <a:t>	Above 20 </a:t>
-            </a:r>
-            <a:r>
-              <a:rPr lang="en-US" sz="1800" dirty="0" smtClean="0"/>
-              <a:t>million </a:t>
-            </a:r>
-            <a:r>
-              <a:rPr lang="en-US" sz="1800" dirty="0" smtClean="0"/>
-              <a:t>Yuan</a:t>
-            </a:r>
-            <a:endParaRPr lang="en-US" sz="1800" dirty="0"/>
+              <a:t>4. Investment in Environment Pollution Control</a:t>
+            </a:r>
+            <a:endParaRPr lang="en-US" dirty="0"/>
           </a:p>
         </p:txBody>
       </p:sp>
@@ -5058,7 +5053,7 @@
       </p:sp>
       <p:pic>
         <p:nvPicPr>
-          <p:cNvPr id="5" name="Picture 4" descr="屏幕快照 2016-11-17 下午11.12.03.png"/>
+          <p:cNvPr id="4" name="Picture 3" descr="屏幕快照 2016-11-17 下午11.12.27.png"/>
           <p:cNvPicPr/>
           <p:nvPr/>
         </p:nvPicPr>
@@ -5070,8 +5065,8 @@
         </p:blipFill>
         <p:spPr>
           <a:xfrm>
-            <a:off x="3962400" y="2590800"/>
-            <a:ext cx="4953000" cy="3429000"/>
+            <a:off x="2362200" y="2438400"/>
+            <a:ext cx="4572000" cy="3505200"/>
           </a:xfrm>
           <a:prstGeom prst="rect">
             <a:avLst/>
@@ -5116,129 +5111,6 @@
         <p:spPr>
           <a:xfrm>
             <a:off x="0" y="1481328"/>
-            <a:ext cx="8686800" cy="4525963"/>
-          </a:xfrm>
-        </p:spPr>
-        <p:txBody>
-          <a:bodyPr/>
-          <a:lstStyle/>
-          <a:p>
-            <a:r>
-              <a:rPr lang="en-US" dirty="0" smtClean="0"/>
-              <a:t>4.</a:t>
-            </a:r>
-            <a:r>
-              <a:rPr lang="en-US" dirty="0" smtClean="0"/>
-              <a:t> </a:t>
-            </a:r>
-            <a:r>
-              <a:rPr lang="en-US" dirty="0" smtClean="0"/>
-              <a:t>Investment </a:t>
-            </a:r>
-            <a:r>
-              <a:rPr lang="en-US" dirty="0" smtClean="0"/>
-              <a:t>in </a:t>
-            </a:r>
-            <a:r>
-              <a:rPr lang="en-US" dirty="0" smtClean="0"/>
-              <a:t>Environment Pollution </a:t>
-            </a:r>
-            <a:r>
-              <a:rPr lang="en-US" dirty="0" smtClean="0"/>
-              <a:t>C</a:t>
-            </a:r>
-            <a:r>
-              <a:rPr lang="en-US" dirty="0" smtClean="0"/>
-              <a:t>ontrol</a:t>
-            </a:r>
-            <a:endParaRPr lang="en-US" dirty="0"/>
-          </a:p>
-        </p:txBody>
-      </p:sp>
-      <p:sp>
-        <p:nvSpPr>
-          <p:cNvPr id="3" name="Title 2"/>
-          <p:cNvSpPr>
-            <a:spLocks noGrp="1"/>
-          </p:cNvSpPr>
-          <p:nvPr>
-            <p:ph type="title"/>
-          </p:nvPr>
-        </p:nvSpPr>
-        <p:spPr/>
-        <p:txBody>
-          <a:bodyPr/>
-          <a:lstStyle/>
-          <a:p>
-            <a:pPr algn="ctr"/>
-            <a:r>
-              <a:rPr lang="en-US" dirty="0" smtClean="0"/>
-              <a:t>Development of Industry</a:t>
-            </a:r>
-            <a:endParaRPr lang="en-US" dirty="0"/>
-          </a:p>
-        </p:txBody>
-      </p:sp>
-      <p:pic>
-        <p:nvPicPr>
-          <p:cNvPr id="4" name="Picture 3" descr="屏幕快照 2016-11-17 下午11.12.27.png"/>
-          <p:cNvPicPr/>
-          <p:nvPr/>
-        </p:nvPicPr>
-        <p:blipFill>
-          <a:blip r:embed="rId2" cstate="print"/>
-          <a:stretch>
-            <a:fillRect/>
-          </a:stretch>
-        </p:blipFill>
-        <p:spPr>
-          <a:xfrm>
-            <a:off x="2362200" y="2438400"/>
-            <a:ext cx="4572000" cy="3505200"/>
-          </a:xfrm>
-          <a:prstGeom prst="rect">
-            <a:avLst/>
-          </a:prstGeom>
-        </p:spPr>
-      </p:pic>
-    </p:spTree>
-  </p:cSld>
-  <p:clrMapOvr>
-    <a:masterClrMapping/>
-  </p:clrMapOvr>
-</p:sld>
-</file>
-
-<file path=ppt/slides/slide6.xml><?xml version="1.0" encoding="utf-8"?>
-<p:sld xmlns:a="http://schemas.openxmlformats.org/drawingml/2006/main" xmlns:r="http://schemas.openxmlformats.org/officeDocument/2006/relationships" xmlns:p="http://schemas.openxmlformats.org/presentationml/2006/main">
-  <p:cSld>
-    <p:spTree>
-      <p:nvGrpSpPr>
-        <p:cNvPr id="1" name=""/>
-        <p:cNvGrpSpPr/>
-        <p:nvPr/>
-      </p:nvGrpSpPr>
-      <p:grpSpPr>
-        <a:xfrm>
-          <a:off x="0" y="0"/>
-          <a:ext cx="0" cy="0"/>
-          <a:chOff x="0" y="0"/>
-          <a:chExt cx="0" cy="0"/>
-        </a:xfrm>
-      </p:grpSpPr>
-      <p:sp>
-        <p:nvSpPr>
-          <p:cNvPr id="2" name="Content Placeholder 1"/>
-          <p:cNvSpPr>
-            <a:spLocks noGrp="1"/>
-          </p:cNvSpPr>
-          <p:nvPr>
-            <p:ph idx="1"/>
-          </p:nvPr>
-        </p:nvSpPr>
-        <p:spPr>
-          <a:xfrm>
-            <a:off x="0" y="1481328"/>
             <a:ext cx="9144000" cy="4525963"/>
           </a:xfrm>
         </p:spPr>
@@ -5248,13 +5120,8 @@
           <a:p>
             <a:r>
               <a:rPr lang="en-US" sz="2400" dirty="0" smtClean="0"/>
-              <a:t>5.comparison </a:t>
-            </a:r>
-            <a:r>
-              <a:rPr lang="en-US" sz="2400" dirty="0" smtClean="0"/>
-              <a:t>between investment in industrial pollution control in </a:t>
-            </a:r>
-            <a:endParaRPr lang="en-US" sz="2400" dirty="0" smtClean="0"/>
+              <a:t>5.comparison between investment in industrial pollution control in </a:t>
+            </a:r>
           </a:p>
           <a:p>
             <a:pPr>
@@ -5266,15 +5133,7 @@
             </a:r>
             <a:r>
               <a:rPr lang="en-US" sz="2400" dirty="0" smtClean="0"/>
-              <a:t>2005 &amp; </a:t>
-            </a:r>
-            <a:r>
-              <a:rPr lang="en-US" sz="2400" dirty="0" smtClean="0"/>
-              <a:t>2004 </a:t>
-            </a:r>
-            <a:r>
-              <a:rPr lang="en-US" sz="2400" dirty="0" smtClean="0"/>
-              <a:t>	   2008 &amp; 2009</a:t>
+              <a:t>2005 &amp; 2004 	   2008 &amp; 2009</a:t>
             </a:r>
             <a:endParaRPr lang="en-US" sz="2400" dirty="0"/>
           </a:p>
